--- a/prezentacje/SeleniumStart_I.pptx
+++ b/prezentacje/SeleniumStart_I.pptx
@@ -367,7 +367,7 @@
           <a:p>
             <a:fld id="{ADC6C3C6-C7F3-4C9A-98A5-0505933EBCE9}" type="datetimeFigureOut">
               <a:rPr lang="pl-PL" smtClean="0"/>
-              <a:t>2017-07-24</a:t>
+              <a:t>2017-07-31</a:t>
             </a:fld>
             <a:endParaRPr lang="pl-PL"/>
           </a:p>
@@ -532,7 +532,7 @@
           <a:p>
             <a:fld id="{ADC6C3C6-C7F3-4C9A-98A5-0505933EBCE9}" type="datetimeFigureOut">
               <a:rPr lang="pl-PL" smtClean="0"/>
-              <a:t>2017-07-24</a:t>
+              <a:t>2017-07-31</a:t>
             </a:fld>
             <a:endParaRPr lang="pl-PL"/>
           </a:p>
@@ -707,7 +707,7 @@
           <a:p>
             <a:fld id="{ADC6C3C6-C7F3-4C9A-98A5-0505933EBCE9}" type="datetimeFigureOut">
               <a:rPr lang="pl-PL" smtClean="0"/>
-              <a:t>2017-07-24</a:t>
+              <a:t>2017-07-31</a:t>
             </a:fld>
             <a:endParaRPr lang="pl-PL"/>
           </a:p>
@@ -872,7 +872,7 @@
           <a:p>
             <a:fld id="{ADC6C3C6-C7F3-4C9A-98A5-0505933EBCE9}" type="datetimeFigureOut">
               <a:rPr lang="pl-PL" smtClean="0"/>
-              <a:t>2017-07-24</a:t>
+              <a:t>2017-07-31</a:t>
             </a:fld>
             <a:endParaRPr lang="pl-PL"/>
           </a:p>
@@ -1113,7 +1113,7 @@
           <a:p>
             <a:fld id="{ADC6C3C6-C7F3-4C9A-98A5-0505933EBCE9}" type="datetimeFigureOut">
               <a:rPr lang="pl-PL" smtClean="0"/>
-              <a:t>2017-07-24</a:t>
+              <a:t>2017-07-31</a:t>
             </a:fld>
             <a:endParaRPr lang="pl-PL"/>
           </a:p>
@@ -1396,7 +1396,7 @@
           <a:p>
             <a:fld id="{ADC6C3C6-C7F3-4C9A-98A5-0505933EBCE9}" type="datetimeFigureOut">
               <a:rPr lang="pl-PL" smtClean="0"/>
-              <a:t>2017-07-24</a:t>
+              <a:t>2017-07-31</a:t>
             </a:fld>
             <a:endParaRPr lang="pl-PL"/>
           </a:p>
@@ -1813,7 +1813,7 @@
           <a:p>
             <a:fld id="{ADC6C3C6-C7F3-4C9A-98A5-0505933EBCE9}" type="datetimeFigureOut">
               <a:rPr lang="pl-PL" smtClean="0"/>
-              <a:t>2017-07-24</a:t>
+              <a:t>2017-07-31</a:t>
             </a:fld>
             <a:endParaRPr lang="pl-PL"/>
           </a:p>
@@ -1926,7 +1926,7 @@
           <a:p>
             <a:fld id="{ADC6C3C6-C7F3-4C9A-98A5-0505933EBCE9}" type="datetimeFigureOut">
               <a:rPr lang="pl-PL" smtClean="0"/>
-              <a:t>2017-07-24</a:t>
+              <a:t>2017-07-31</a:t>
             </a:fld>
             <a:endParaRPr lang="pl-PL"/>
           </a:p>
@@ -2016,7 +2016,7 @@
           <a:p>
             <a:fld id="{ADC6C3C6-C7F3-4C9A-98A5-0505933EBCE9}" type="datetimeFigureOut">
               <a:rPr lang="pl-PL" smtClean="0"/>
-              <a:t>2017-07-24</a:t>
+              <a:t>2017-07-31</a:t>
             </a:fld>
             <a:endParaRPr lang="pl-PL"/>
           </a:p>
@@ -2288,7 +2288,7 @@
           <a:p>
             <a:fld id="{ADC6C3C6-C7F3-4C9A-98A5-0505933EBCE9}" type="datetimeFigureOut">
               <a:rPr lang="pl-PL" smtClean="0"/>
-              <a:t>2017-07-24</a:t>
+              <a:t>2017-07-31</a:t>
             </a:fld>
             <a:endParaRPr lang="pl-PL"/>
           </a:p>
@@ -2536,7 +2536,7 @@
           <a:p>
             <a:fld id="{ADC6C3C6-C7F3-4C9A-98A5-0505933EBCE9}" type="datetimeFigureOut">
               <a:rPr lang="pl-PL" smtClean="0"/>
-              <a:t>2017-07-24</a:t>
+              <a:t>2017-07-31</a:t>
             </a:fld>
             <a:endParaRPr lang="pl-PL"/>
           </a:p>
@@ -2744,7 +2744,7 @@
           <a:p>
             <a:fld id="{ADC6C3C6-C7F3-4C9A-98A5-0505933EBCE9}" type="datetimeFigureOut">
               <a:rPr lang="pl-PL" smtClean="0"/>
-              <a:t>2017-07-24</a:t>
+              <a:t>2017-07-31</a:t>
             </a:fld>
             <a:endParaRPr lang="pl-PL"/>
           </a:p>
@@ -5590,7 +5590,7 @@
           <p:nvPr>
             <p:extLst>
               <p:ext uri="{D42A27DB-BD31-4B8C-83A1-F6EECF244321}">
-                <p14:modId xmlns:p14="http://schemas.microsoft.com/office/powerpoint/2010/main" val="2859514271"/>
+                <p14:modId xmlns:p14="http://schemas.microsoft.com/office/powerpoint/2010/main" val="3649185115"/>
               </p:ext>
             </p:extLst>
           </p:nvPr>
@@ -6033,7 +6033,19 @@
                     <a:p>
                       <a:r>
                         <a:rPr lang="pl-PL" sz="1800" dirty="0" smtClean="0"/>
-                        <a:t>a[type$=’z’]</a:t>
+                        <a:t>a[type</a:t>
+                      </a:r>
+                      <a:r>
+                        <a:rPr lang="en-US" sz="1800" dirty="0" smtClean="0"/>
+                        <a:t>^</a:t>
+                      </a:r>
+                      <a:r>
+                        <a:rPr lang="pl-PL" sz="1800" dirty="0" smtClean="0"/>
+                        <a:t>=</a:t>
+                      </a:r>
+                      <a:r>
+                        <a:rPr lang="pl-PL" sz="1800" dirty="0" smtClean="0"/>
+                        <a:t>’z’]</a:t>
                       </a:r>
                       <a:br>
                         <a:rPr lang="pl-PL" sz="1800" dirty="0" smtClean="0"/>
@@ -6047,7 +6059,19 @@
                       </a:br>
                       <a:r>
                         <a:rPr lang="pl-PL" sz="1800" dirty="0" smtClean="0"/>
-                        <a:t>a[type^=’o’]</a:t>
+                        <a:t>a[type</a:t>
+                      </a:r>
+                      <a:r>
+                        <a:rPr lang="en-US" sz="1800" smtClean="0"/>
+                        <a:t>$</a:t>
+                      </a:r>
+                      <a:r>
+                        <a:rPr lang="pl-PL" sz="1800" smtClean="0"/>
+                        <a:t>=</a:t>
+                      </a:r>
+                      <a:r>
+                        <a:rPr lang="pl-PL" sz="1800" dirty="0" smtClean="0"/>
+                        <a:t>’o’]</a:t>
                       </a:r>
                       <a:endParaRPr lang="de-DE" sz="1800" dirty="0"/>
                     </a:p>
